--- a/ppt 16-9/1047.坚定信靠不动.pptx
+++ b/ppt 16-9/1047.坚定信靠不动.pptx
@@ -129,7 +129,7 @@
           <p:cNvPr id="2" name="标题 1">
             <a:extLst>
               <a:ext uri="{FF2B5EF4-FFF2-40B4-BE49-F238E27FC236}">
-                <a16:creationId xmlns:a16="http://schemas.microsoft.com/office/drawing/2014/main" id="{BD97FB3C-348A-8441-82E3-63EEE4DA33BC}"/>
+                <a16:creationId xmlns:a16="http://schemas.microsoft.com/office/drawing/2014/main" id="{B52843C8-4902-01F5-81D4-4D8D6F89CAA6}"/>
               </a:ext>
             </a:extLst>
           </p:cNvPr>
@@ -166,7 +166,7 @@
           <p:cNvPr id="3" name="副标题 2">
             <a:extLst>
               <a:ext uri="{FF2B5EF4-FFF2-40B4-BE49-F238E27FC236}">
-                <a16:creationId xmlns:a16="http://schemas.microsoft.com/office/drawing/2014/main" id="{FAB9CA0B-7987-9323-A721-DC075C5AB3C3}"/>
+                <a16:creationId xmlns:a16="http://schemas.microsoft.com/office/drawing/2014/main" id="{9D23A7D3-A150-1754-A9D4-921BE65D92E4}"/>
               </a:ext>
             </a:extLst>
           </p:cNvPr>
@@ -236,7 +236,7 @@
           <p:cNvPr id="4" name="日期占位符 3">
             <a:extLst>
               <a:ext uri="{FF2B5EF4-FFF2-40B4-BE49-F238E27FC236}">
-                <a16:creationId xmlns:a16="http://schemas.microsoft.com/office/drawing/2014/main" id="{EB68EBA7-F384-014A-8795-599CF546791E}"/>
+                <a16:creationId xmlns:a16="http://schemas.microsoft.com/office/drawing/2014/main" id="{7C0C7B94-8D79-0118-99D8-91FA1DB73618}"/>
               </a:ext>
             </a:extLst>
           </p:cNvPr>
@@ -252,7 +252,7 @@
           <a:bodyPr/>
           <a:lstStyle/>
           <a:p>
-            <a:fld id="{6C1056E4-0A98-4D85-98AD-89858D8BBC6C}" type="datetimeFigureOut">
+            <a:fld id="{6837A2F4-8FBA-4AEB-B8D0-CFE90A6FA6AE}" type="datetimeFigureOut">
               <a:rPr lang="zh-CN" altLang="en-US" smtClean="0"/>
               <a:t>2024/3/10</a:t>
             </a:fld>
@@ -265,7 +265,7 @@
           <p:cNvPr id="5" name="页脚占位符 4">
             <a:extLst>
               <a:ext uri="{FF2B5EF4-FFF2-40B4-BE49-F238E27FC236}">
-                <a16:creationId xmlns:a16="http://schemas.microsoft.com/office/drawing/2014/main" id="{6E7C654B-CC02-9B5B-7BE2-9A6C69214BAC}"/>
+                <a16:creationId xmlns:a16="http://schemas.microsoft.com/office/drawing/2014/main" id="{CFA1C941-6E96-8DD3-E22A-41D0EE82F676}"/>
               </a:ext>
             </a:extLst>
           </p:cNvPr>
@@ -290,7 +290,7 @@
           <p:cNvPr id="6" name="灯片编号占位符 5">
             <a:extLst>
               <a:ext uri="{FF2B5EF4-FFF2-40B4-BE49-F238E27FC236}">
-                <a16:creationId xmlns:a16="http://schemas.microsoft.com/office/drawing/2014/main" id="{708626E4-D043-3309-8B1E-F14A387511C1}"/>
+                <a16:creationId xmlns:a16="http://schemas.microsoft.com/office/drawing/2014/main" id="{3E52D230-0B1E-8266-6D23-20E428112012}"/>
               </a:ext>
             </a:extLst>
           </p:cNvPr>
@@ -306,7 +306,7 @@
           <a:bodyPr/>
           <a:lstStyle/>
           <a:p>
-            <a:fld id="{BF848D48-13AF-40E2-B940-F471FD666F6D}" type="slidenum">
+            <a:fld id="{0C5C56DF-3283-449B-9933-49334E48605C}" type="slidenum">
               <a:rPr lang="zh-CN" altLang="en-US" smtClean="0"/>
               <a:t>‹#›</a:t>
             </a:fld>
@@ -317,7 +317,7 @@
     </p:spTree>
     <p:extLst>
       <p:ext uri="{BB962C8B-B14F-4D97-AF65-F5344CB8AC3E}">
-        <p14:creationId xmlns:p14="http://schemas.microsoft.com/office/powerpoint/2010/main" val="2952937079"/>
+        <p14:creationId xmlns:p14="http://schemas.microsoft.com/office/powerpoint/2010/main" val="2309322947"/>
       </p:ext>
     </p:extLst>
   </p:cSld>
@@ -349,7 +349,7 @@
           <p:cNvPr id="2" name="标题 1">
             <a:extLst>
               <a:ext uri="{FF2B5EF4-FFF2-40B4-BE49-F238E27FC236}">
-                <a16:creationId xmlns:a16="http://schemas.microsoft.com/office/drawing/2014/main" id="{A2EC7A80-A906-7FE8-FB55-75E8D9E9A6A7}"/>
+                <a16:creationId xmlns:a16="http://schemas.microsoft.com/office/drawing/2014/main" id="{D57AB724-D63A-17EA-BCC8-CC4F7C2A7416}"/>
               </a:ext>
             </a:extLst>
           </p:cNvPr>
@@ -377,7 +377,7 @@
           <p:cNvPr id="3" name="竖排文字占位符 2">
             <a:extLst>
               <a:ext uri="{FF2B5EF4-FFF2-40B4-BE49-F238E27FC236}">
-                <a16:creationId xmlns:a16="http://schemas.microsoft.com/office/drawing/2014/main" id="{CBF36C90-B602-AD87-AD31-E4FF4E179E03}"/>
+                <a16:creationId xmlns:a16="http://schemas.microsoft.com/office/drawing/2014/main" id="{A2A495EB-B642-C2FA-31A5-80C21601F416}"/>
               </a:ext>
             </a:extLst>
           </p:cNvPr>
@@ -434,7 +434,7 @@
           <p:cNvPr id="4" name="日期占位符 3">
             <a:extLst>
               <a:ext uri="{FF2B5EF4-FFF2-40B4-BE49-F238E27FC236}">
-                <a16:creationId xmlns:a16="http://schemas.microsoft.com/office/drawing/2014/main" id="{6F94AB84-7D1D-3E70-1D85-2A73D8237C67}"/>
+                <a16:creationId xmlns:a16="http://schemas.microsoft.com/office/drawing/2014/main" id="{8F4D4BBE-6B1A-BD9D-D7A3-47B75E01E134}"/>
               </a:ext>
             </a:extLst>
           </p:cNvPr>
@@ -450,7 +450,7 @@
           <a:bodyPr/>
           <a:lstStyle/>
           <a:p>
-            <a:fld id="{6C1056E4-0A98-4D85-98AD-89858D8BBC6C}" type="datetimeFigureOut">
+            <a:fld id="{6837A2F4-8FBA-4AEB-B8D0-CFE90A6FA6AE}" type="datetimeFigureOut">
               <a:rPr lang="zh-CN" altLang="en-US" smtClean="0"/>
               <a:t>2024/3/10</a:t>
             </a:fld>
@@ -463,7 +463,7 @@
           <p:cNvPr id="5" name="页脚占位符 4">
             <a:extLst>
               <a:ext uri="{FF2B5EF4-FFF2-40B4-BE49-F238E27FC236}">
-                <a16:creationId xmlns:a16="http://schemas.microsoft.com/office/drawing/2014/main" id="{C4944C38-0FC3-2440-F7C0-9A2CFEAF3538}"/>
+                <a16:creationId xmlns:a16="http://schemas.microsoft.com/office/drawing/2014/main" id="{4263CE86-3ED2-C266-B3BB-1954A96A9041}"/>
               </a:ext>
             </a:extLst>
           </p:cNvPr>
@@ -488,7 +488,7 @@
           <p:cNvPr id="6" name="灯片编号占位符 5">
             <a:extLst>
               <a:ext uri="{FF2B5EF4-FFF2-40B4-BE49-F238E27FC236}">
-                <a16:creationId xmlns:a16="http://schemas.microsoft.com/office/drawing/2014/main" id="{94FB1CF9-C237-1D4B-0197-78A91E6C18B1}"/>
+                <a16:creationId xmlns:a16="http://schemas.microsoft.com/office/drawing/2014/main" id="{690FE4A6-B805-0DC5-4ADA-05131BDC1DA8}"/>
               </a:ext>
             </a:extLst>
           </p:cNvPr>
@@ -504,7 +504,7 @@
           <a:bodyPr/>
           <a:lstStyle/>
           <a:p>
-            <a:fld id="{BF848D48-13AF-40E2-B940-F471FD666F6D}" type="slidenum">
+            <a:fld id="{0C5C56DF-3283-449B-9933-49334E48605C}" type="slidenum">
               <a:rPr lang="zh-CN" altLang="en-US" smtClean="0"/>
               <a:t>‹#›</a:t>
             </a:fld>
@@ -515,7 +515,7 @@
     </p:spTree>
     <p:extLst>
       <p:ext uri="{BB962C8B-B14F-4D97-AF65-F5344CB8AC3E}">
-        <p14:creationId xmlns:p14="http://schemas.microsoft.com/office/powerpoint/2010/main" val="2147396497"/>
+        <p14:creationId xmlns:p14="http://schemas.microsoft.com/office/powerpoint/2010/main" val="2161101709"/>
       </p:ext>
     </p:extLst>
   </p:cSld>
@@ -547,7 +547,7 @@
           <p:cNvPr id="2" name="竖排标题 1">
             <a:extLst>
               <a:ext uri="{FF2B5EF4-FFF2-40B4-BE49-F238E27FC236}">
-                <a16:creationId xmlns:a16="http://schemas.microsoft.com/office/drawing/2014/main" id="{4D884D6B-45A5-FA0D-DA7D-62747CBC5CBF}"/>
+                <a16:creationId xmlns:a16="http://schemas.microsoft.com/office/drawing/2014/main" id="{93AB8D9D-21E6-745C-CCFD-5F5AB432B088}"/>
               </a:ext>
             </a:extLst>
           </p:cNvPr>
@@ -580,7 +580,7 @@
           <p:cNvPr id="3" name="竖排文字占位符 2">
             <a:extLst>
               <a:ext uri="{FF2B5EF4-FFF2-40B4-BE49-F238E27FC236}">
-                <a16:creationId xmlns:a16="http://schemas.microsoft.com/office/drawing/2014/main" id="{82E69444-6066-1FCB-F301-5DED6B32CC71}"/>
+                <a16:creationId xmlns:a16="http://schemas.microsoft.com/office/drawing/2014/main" id="{04EE760C-7BD7-867C-E877-1A74C9E69F7B}"/>
               </a:ext>
             </a:extLst>
           </p:cNvPr>
@@ -642,7 +642,7 @@
           <p:cNvPr id="4" name="日期占位符 3">
             <a:extLst>
               <a:ext uri="{FF2B5EF4-FFF2-40B4-BE49-F238E27FC236}">
-                <a16:creationId xmlns:a16="http://schemas.microsoft.com/office/drawing/2014/main" id="{03C331BE-28D9-6D70-7B8E-351AFB264CCA}"/>
+                <a16:creationId xmlns:a16="http://schemas.microsoft.com/office/drawing/2014/main" id="{DF703FD8-542F-E9FD-AD79-EF8D83D6223C}"/>
               </a:ext>
             </a:extLst>
           </p:cNvPr>
@@ -658,7 +658,7 @@
           <a:bodyPr/>
           <a:lstStyle/>
           <a:p>
-            <a:fld id="{6C1056E4-0A98-4D85-98AD-89858D8BBC6C}" type="datetimeFigureOut">
+            <a:fld id="{6837A2F4-8FBA-4AEB-B8D0-CFE90A6FA6AE}" type="datetimeFigureOut">
               <a:rPr lang="zh-CN" altLang="en-US" smtClean="0"/>
               <a:t>2024/3/10</a:t>
             </a:fld>
@@ -671,7 +671,7 @@
           <p:cNvPr id="5" name="页脚占位符 4">
             <a:extLst>
               <a:ext uri="{FF2B5EF4-FFF2-40B4-BE49-F238E27FC236}">
-                <a16:creationId xmlns:a16="http://schemas.microsoft.com/office/drawing/2014/main" id="{0C53DE82-3058-CB18-3FDA-DECB386DE9A6}"/>
+                <a16:creationId xmlns:a16="http://schemas.microsoft.com/office/drawing/2014/main" id="{9B2F31C7-34EC-CE3D-C24E-C141356A29E9}"/>
               </a:ext>
             </a:extLst>
           </p:cNvPr>
@@ -696,7 +696,7 @@
           <p:cNvPr id="6" name="灯片编号占位符 5">
             <a:extLst>
               <a:ext uri="{FF2B5EF4-FFF2-40B4-BE49-F238E27FC236}">
-                <a16:creationId xmlns:a16="http://schemas.microsoft.com/office/drawing/2014/main" id="{55402FF0-7693-9463-F64B-9C99376ECCEB}"/>
+                <a16:creationId xmlns:a16="http://schemas.microsoft.com/office/drawing/2014/main" id="{A00B3B82-AE9D-BC9C-A934-12A372276F28}"/>
               </a:ext>
             </a:extLst>
           </p:cNvPr>
@@ -712,7 +712,7 @@
           <a:bodyPr/>
           <a:lstStyle/>
           <a:p>
-            <a:fld id="{BF848D48-13AF-40E2-B940-F471FD666F6D}" type="slidenum">
+            <a:fld id="{0C5C56DF-3283-449B-9933-49334E48605C}" type="slidenum">
               <a:rPr lang="zh-CN" altLang="en-US" smtClean="0"/>
               <a:t>‹#›</a:t>
             </a:fld>
@@ -723,7 +723,7 @@
     </p:spTree>
     <p:extLst>
       <p:ext uri="{BB962C8B-B14F-4D97-AF65-F5344CB8AC3E}">
-        <p14:creationId xmlns:p14="http://schemas.microsoft.com/office/powerpoint/2010/main" val="2186600161"/>
+        <p14:creationId xmlns:p14="http://schemas.microsoft.com/office/powerpoint/2010/main" val="3973176148"/>
       </p:ext>
     </p:extLst>
   </p:cSld>
@@ -755,7 +755,7 @@
           <p:cNvPr id="2" name="标题 1">
             <a:extLst>
               <a:ext uri="{FF2B5EF4-FFF2-40B4-BE49-F238E27FC236}">
-                <a16:creationId xmlns:a16="http://schemas.microsoft.com/office/drawing/2014/main" id="{49D5CCBD-7798-B7EC-27B2-C5D125D3A094}"/>
+                <a16:creationId xmlns:a16="http://schemas.microsoft.com/office/drawing/2014/main" id="{1BBEF458-D1D5-33CA-CC33-45DF2EAA94F5}"/>
               </a:ext>
             </a:extLst>
           </p:cNvPr>
@@ -783,7 +783,7 @@
           <p:cNvPr id="3" name="内容占位符 2">
             <a:extLst>
               <a:ext uri="{FF2B5EF4-FFF2-40B4-BE49-F238E27FC236}">
-                <a16:creationId xmlns:a16="http://schemas.microsoft.com/office/drawing/2014/main" id="{2176422B-1639-23FB-7021-DC8F386AE4DE}"/>
+                <a16:creationId xmlns:a16="http://schemas.microsoft.com/office/drawing/2014/main" id="{3B685CE7-74F6-B10A-5343-7A93B00AC5CD}"/>
               </a:ext>
             </a:extLst>
           </p:cNvPr>
@@ -840,7 +840,7 @@
           <p:cNvPr id="4" name="日期占位符 3">
             <a:extLst>
               <a:ext uri="{FF2B5EF4-FFF2-40B4-BE49-F238E27FC236}">
-                <a16:creationId xmlns:a16="http://schemas.microsoft.com/office/drawing/2014/main" id="{3C83F98A-571D-B9FB-180F-EFCEBD420D60}"/>
+                <a16:creationId xmlns:a16="http://schemas.microsoft.com/office/drawing/2014/main" id="{0E4B8A2E-535D-34F1-D1EB-BE8975ABB308}"/>
               </a:ext>
             </a:extLst>
           </p:cNvPr>
@@ -856,7 +856,7 @@
           <a:bodyPr/>
           <a:lstStyle/>
           <a:p>
-            <a:fld id="{6C1056E4-0A98-4D85-98AD-89858D8BBC6C}" type="datetimeFigureOut">
+            <a:fld id="{6837A2F4-8FBA-4AEB-B8D0-CFE90A6FA6AE}" type="datetimeFigureOut">
               <a:rPr lang="zh-CN" altLang="en-US" smtClean="0"/>
               <a:t>2024/3/10</a:t>
             </a:fld>
@@ -869,7 +869,7 @@
           <p:cNvPr id="5" name="页脚占位符 4">
             <a:extLst>
               <a:ext uri="{FF2B5EF4-FFF2-40B4-BE49-F238E27FC236}">
-                <a16:creationId xmlns:a16="http://schemas.microsoft.com/office/drawing/2014/main" id="{AD3F6546-CA53-8325-632B-B1E684E73C01}"/>
+                <a16:creationId xmlns:a16="http://schemas.microsoft.com/office/drawing/2014/main" id="{33C80616-9E29-D387-084F-4F7F802750CA}"/>
               </a:ext>
             </a:extLst>
           </p:cNvPr>
@@ -894,7 +894,7 @@
           <p:cNvPr id="6" name="灯片编号占位符 5">
             <a:extLst>
               <a:ext uri="{FF2B5EF4-FFF2-40B4-BE49-F238E27FC236}">
-                <a16:creationId xmlns:a16="http://schemas.microsoft.com/office/drawing/2014/main" id="{1DB2FB8E-AD01-2D4C-4C28-A2F83DCC712F}"/>
+                <a16:creationId xmlns:a16="http://schemas.microsoft.com/office/drawing/2014/main" id="{3DA60747-FD39-E14A-3575-EC67AD10564A}"/>
               </a:ext>
             </a:extLst>
           </p:cNvPr>
@@ -910,7 +910,7 @@
           <a:bodyPr/>
           <a:lstStyle/>
           <a:p>
-            <a:fld id="{BF848D48-13AF-40E2-B940-F471FD666F6D}" type="slidenum">
+            <a:fld id="{0C5C56DF-3283-449B-9933-49334E48605C}" type="slidenum">
               <a:rPr lang="zh-CN" altLang="en-US" smtClean="0"/>
               <a:t>‹#›</a:t>
             </a:fld>
@@ -921,7 +921,7 @@
     </p:spTree>
     <p:extLst>
       <p:ext uri="{BB962C8B-B14F-4D97-AF65-F5344CB8AC3E}">
-        <p14:creationId xmlns:p14="http://schemas.microsoft.com/office/powerpoint/2010/main" val="3741264551"/>
+        <p14:creationId xmlns:p14="http://schemas.microsoft.com/office/powerpoint/2010/main" val="1755342915"/>
       </p:ext>
     </p:extLst>
   </p:cSld>
@@ -953,7 +953,7 @@
           <p:cNvPr id="2" name="标题 1">
             <a:extLst>
               <a:ext uri="{FF2B5EF4-FFF2-40B4-BE49-F238E27FC236}">
-                <a16:creationId xmlns:a16="http://schemas.microsoft.com/office/drawing/2014/main" id="{D888685B-C9ED-1208-D9D7-7E54BECFC9C5}"/>
+                <a16:creationId xmlns:a16="http://schemas.microsoft.com/office/drawing/2014/main" id="{D1EDD000-BC32-FD18-D7F9-99C6DF771C19}"/>
               </a:ext>
             </a:extLst>
           </p:cNvPr>
@@ -990,7 +990,7 @@
           <p:cNvPr id="3" name="文本占位符 2">
             <a:extLst>
               <a:ext uri="{FF2B5EF4-FFF2-40B4-BE49-F238E27FC236}">
-                <a16:creationId xmlns:a16="http://schemas.microsoft.com/office/drawing/2014/main" id="{E09FC0B5-DFA9-E3C3-D9CB-C87D376BE264}"/>
+                <a16:creationId xmlns:a16="http://schemas.microsoft.com/office/drawing/2014/main" id="{E979E3FF-A4A3-3AAA-B141-C26499C4ABF4}"/>
               </a:ext>
             </a:extLst>
           </p:cNvPr>
@@ -1115,7 +1115,7 @@
           <p:cNvPr id="4" name="日期占位符 3">
             <a:extLst>
               <a:ext uri="{FF2B5EF4-FFF2-40B4-BE49-F238E27FC236}">
-                <a16:creationId xmlns:a16="http://schemas.microsoft.com/office/drawing/2014/main" id="{8F8F5F7D-0832-4FCE-AB5F-BE264A273B29}"/>
+                <a16:creationId xmlns:a16="http://schemas.microsoft.com/office/drawing/2014/main" id="{7B0C0CB0-0655-0E88-BA1A-93E92BBC1C34}"/>
               </a:ext>
             </a:extLst>
           </p:cNvPr>
@@ -1131,7 +1131,7 @@
           <a:bodyPr/>
           <a:lstStyle/>
           <a:p>
-            <a:fld id="{6C1056E4-0A98-4D85-98AD-89858D8BBC6C}" type="datetimeFigureOut">
+            <a:fld id="{6837A2F4-8FBA-4AEB-B8D0-CFE90A6FA6AE}" type="datetimeFigureOut">
               <a:rPr lang="zh-CN" altLang="en-US" smtClean="0"/>
               <a:t>2024/3/10</a:t>
             </a:fld>
@@ -1144,7 +1144,7 @@
           <p:cNvPr id="5" name="页脚占位符 4">
             <a:extLst>
               <a:ext uri="{FF2B5EF4-FFF2-40B4-BE49-F238E27FC236}">
-                <a16:creationId xmlns:a16="http://schemas.microsoft.com/office/drawing/2014/main" id="{BFB81FEC-5C14-A494-0CEC-829CC716C2F6}"/>
+                <a16:creationId xmlns:a16="http://schemas.microsoft.com/office/drawing/2014/main" id="{E58B4E5C-BA28-86F3-4D76-33B3BD48A12B}"/>
               </a:ext>
             </a:extLst>
           </p:cNvPr>
@@ -1169,7 +1169,7 @@
           <p:cNvPr id="6" name="灯片编号占位符 5">
             <a:extLst>
               <a:ext uri="{FF2B5EF4-FFF2-40B4-BE49-F238E27FC236}">
-                <a16:creationId xmlns:a16="http://schemas.microsoft.com/office/drawing/2014/main" id="{324CCFBA-DBD1-2217-3352-D3131D303E73}"/>
+                <a16:creationId xmlns:a16="http://schemas.microsoft.com/office/drawing/2014/main" id="{525C0AD9-E896-44FD-E7B1-DAB050F2BF66}"/>
               </a:ext>
             </a:extLst>
           </p:cNvPr>
@@ -1185,7 +1185,7 @@
           <a:bodyPr/>
           <a:lstStyle/>
           <a:p>
-            <a:fld id="{BF848D48-13AF-40E2-B940-F471FD666F6D}" type="slidenum">
+            <a:fld id="{0C5C56DF-3283-449B-9933-49334E48605C}" type="slidenum">
               <a:rPr lang="zh-CN" altLang="en-US" smtClean="0"/>
               <a:t>‹#›</a:t>
             </a:fld>
@@ -1196,7 +1196,7 @@
     </p:spTree>
     <p:extLst>
       <p:ext uri="{BB962C8B-B14F-4D97-AF65-F5344CB8AC3E}">
-        <p14:creationId xmlns:p14="http://schemas.microsoft.com/office/powerpoint/2010/main" val="3029863348"/>
+        <p14:creationId xmlns:p14="http://schemas.microsoft.com/office/powerpoint/2010/main" val="430240992"/>
       </p:ext>
     </p:extLst>
   </p:cSld>
@@ -1228,7 +1228,7 @@
           <p:cNvPr id="2" name="标题 1">
             <a:extLst>
               <a:ext uri="{FF2B5EF4-FFF2-40B4-BE49-F238E27FC236}">
-                <a16:creationId xmlns:a16="http://schemas.microsoft.com/office/drawing/2014/main" id="{FE2A4FD2-E172-C88B-A76A-BE0C34FDED29}"/>
+                <a16:creationId xmlns:a16="http://schemas.microsoft.com/office/drawing/2014/main" id="{2479A365-D1F7-E2CD-D976-570F5020ADBF}"/>
               </a:ext>
             </a:extLst>
           </p:cNvPr>
@@ -1256,7 +1256,7 @@
           <p:cNvPr id="3" name="内容占位符 2">
             <a:extLst>
               <a:ext uri="{FF2B5EF4-FFF2-40B4-BE49-F238E27FC236}">
-                <a16:creationId xmlns:a16="http://schemas.microsoft.com/office/drawing/2014/main" id="{DA3B7384-CD6A-FDF2-AD29-8807ACCC1098}"/>
+                <a16:creationId xmlns:a16="http://schemas.microsoft.com/office/drawing/2014/main" id="{4FC51B6E-E156-039F-730A-0643B3CAFC8F}"/>
               </a:ext>
             </a:extLst>
           </p:cNvPr>
@@ -1318,7 +1318,7 @@
           <p:cNvPr id="4" name="内容占位符 3">
             <a:extLst>
               <a:ext uri="{FF2B5EF4-FFF2-40B4-BE49-F238E27FC236}">
-                <a16:creationId xmlns:a16="http://schemas.microsoft.com/office/drawing/2014/main" id="{6A417637-CBCD-EC1F-4E74-C03F7831E65A}"/>
+                <a16:creationId xmlns:a16="http://schemas.microsoft.com/office/drawing/2014/main" id="{07AAD52C-6B76-BAFE-2F25-AC3F25AE31FD}"/>
               </a:ext>
             </a:extLst>
           </p:cNvPr>
@@ -1380,7 +1380,7 @@
           <p:cNvPr id="5" name="日期占位符 4">
             <a:extLst>
               <a:ext uri="{FF2B5EF4-FFF2-40B4-BE49-F238E27FC236}">
-                <a16:creationId xmlns:a16="http://schemas.microsoft.com/office/drawing/2014/main" id="{197F3467-EE4A-7712-0363-D6901D10AFAE}"/>
+                <a16:creationId xmlns:a16="http://schemas.microsoft.com/office/drawing/2014/main" id="{4A01EE69-5EA5-4639-E338-BDC0301C9395}"/>
               </a:ext>
             </a:extLst>
           </p:cNvPr>
@@ -1396,7 +1396,7 @@
           <a:bodyPr/>
           <a:lstStyle/>
           <a:p>
-            <a:fld id="{6C1056E4-0A98-4D85-98AD-89858D8BBC6C}" type="datetimeFigureOut">
+            <a:fld id="{6837A2F4-8FBA-4AEB-B8D0-CFE90A6FA6AE}" type="datetimeFigureOut">
               <a:rPr lang="zh-CN" altLang="en-US" smtClean="0"/>
               <a:t>2024/3/10</a:t>
             </a:fld>
@@ -1409,7 +1409,7 @@
           <p:cNvPr id="6" name="页脚占位符 5">
             <a:extLst>
               <a:ext uri="{FF2B5EF4-FFF2-40B4-BE49-F238E27FC236}">
-                <a16:creationId xmlns:a16="http://schemas.microsoft.com/office/drawing/2014/main" id="{F7496130-17BB-426C-BA38-51C460642EBD}"/>
+                <a16:creationId xmlns:a16="http://schemas.microsoft.com/office/drawing/2014/main" id="{45A0DCE6-DE2D-8B57-45AF-E17DAC1C17C3}"/>
               </a:ext>
             </a:extLst>
           </p:cNvPr>
@@ -1434,7 +1434,7 @@
           <p:cNvPr id="7" name="灯片编号占位符 6">
             <a:extLst>
               <a:ext uri="{FF2B5EF4-FFF2-40B4-BE49-F238E27FC236}">
-                <a16:creationId xmlns:a16="http://schemas.microsoft.com/office/drawing/2014/main" id="{260CA698-93B6-8229-20A1-AD49D4114778}"/>
+                <a16:creationId xmlns:a16="http://schemas.microsoft.com/office/drawing/2014/main" id="{E06B97C6-B28F-0027-600E-DF7D4014905D}"/>
               </a:ext>
             </a:extLst>
           </p:cNvPr>
@@ -1450,7 +1450,7 @@
           <a:bodyPr/>
           <a:lstStyle/>
           <a:p>
-            <a:fld id="{BF848D48-13AF-40E2-B940-F471FD666F6D}" type="slidenum">
+            <a:fld id="{0C5C56DF-3283-449B-9933-49334E48605C}" type="slidenum">
               <a:rPr lang="zh-CN" altLang="en-US" smtClean="0"/>
               <a:t>‹#›</a:t>
             </a:fld>
@@ -1461,7 +1461,7 @@
     </p:spTree>
     <p:extLst>
       <p:ext uri="{BB962C8B-B14F-4D97-AF65-F5344CB8AC3E}">
-        <p14:creationId xmlns:p14="http://schemas.microsoft.com/office/powerpoint/2010/main" val="4126009105"/>
+        <p14:creationId xmlns:p14="http://schemas.microsoft.com/office/powerpoint/2010/main" val="65967139"/>
       </p:ext>
     </p:extLst>
   </p:cSld>
@@ -1493,7 +1493,7 @@
           <p:cNvPr id="2" name="标题 1">
             <a:extLst>
               <a:ext uri="{FF2B5EF4-FFF2-40B4-BE49-F238E27FC236}">
-                <a16:creationId xmlns:a16="http://schemas.microsoft.com/office/drawing/2014/main" id="{2358785F-EB51-29CC-D311-E2E7D1227D79}"/>
+                <a16:creationId xmlns:a16="http://schemas.microsoft.com/office/drawing/2014/main" id="{CF82DC05-F987-FDFC-85A8-86C71EE4E0E3}"/>
               </a:ext>
             </a:extLst>
           </p:cNvPr>
@@ -1526,7 +1526,7 @@
           <p:cNvPr id="3" name="文本占位符 2">
             <a:extLst>
               <a:ext uri="{FF2B5EF4-FFF2-40B4-BE49-F238E27FC236}">
-                <a16:creationId xmlns:a16="http://schemas.microsoft.com/office/drawing/2014/main" id="{FD43F660-7AFB-89FA-C095-A755AEB9C4F9}"/>
+                <a16:creationId xmlns:a16="http://schemas.microsoft.com/office/drawing/2014/main" id="{0421999E-6FBD-4B7E-44FC-2DF35645C6F1}"/>
               </a:ext>
             </a:extLst>
           </p:cNvPr>
@@ -1597,7 +1597,7 @@
           <p:cNvPr id="4" name="内容占位符 3">
             <a:extLst>
               <a:ext uri="{FF2B5EF4-FFF2-40B4-BE49-F238E27FC236}">
-                <a16:creationId xmlns:a16="http://schemas.microsoft.com/office/drawing/2014/main" id="{C2111113-0190-C2B4-5030-FC60B5F4E48F}"/>
+                <a16:creationId xmlns:a16="http://schemas.microsoft.com/office/drawing/2014/main" id="{7F3FB015-CA2D-E5F7-87A9-7B71904572D5}"/>
               </a:ext>
             </a:extLst>
           </p:cNvPr>
@@ -1659,7 +1659,7 @@
           <p:cNvPr id="5" name="文本占位符 4">
             <a:extLst>
               <a:ext uri="{FF2B5EF4-FFF2-40B4-BE49-F238E27FC236}">
-                <a16:creationId xmlns:a16="http://schemas.microsoft.com/office/drawing/2014/main" id="{C6A6E9C7-0441-BB3A-CAD9-4410E218259A}"/>
+                <a16:creationId xmlns:a16="http://schemas.microsoft.com/office/drawing/2014/main" id="{9CA8C23E-435A-EFCB-F181-5D1AE2ED09DB}"/>
               </a:ext>
             </a:extLst>
           </p:cNvPr>
@@ -1730,7 +1730,7 @@
           <p:cNvPr id="6" name="内容占位符 5">
             <a:extLst>
               <a:ext uri="{FF2B5EF4-FFF2-40B4-BE49-F238E27FC236}">
-                <a16:creationId xmlns:a16="http://schemas.microsoft.com/office/drawing/2014/main" id="{472E4B06-900C-300C-3265-C363680BDA6B}"/>
+                <a16:creationId xmlns:a16="http://schemas.microsoft.com/office/drawing/2014/main" id="{62184058-BBD7-E5F0-B799-8556EDD5EC00}"/>
               </a:ext>
             </a:extLst>
           </p:cNvPr>
@@ -1792,7 +1792,7 @@
           <p:cNvPr id="7" name="日期占位符 6">
             <a:extLst>
               <a:ext uri="{FF2B5EF4-FFF2-40B4-BE49-F238E27FC236}">
-                <a16:creationId xmlns:a16="http://schemas.microsoft.com/office/drawing/2014/main" id="{C8A38020-CF01-3ED4-1022-4589FD2278AD}"/>
+                <a16:creationId xmlns:a16="http://schemas.microsoft.com/office/drawing/2014/main" id="{EE569CCC-DDC7-6248-902A-A2223831971E}"/>
               </a:ext>
             </a:extLst>
           </p:cNvPr>
@@ -1808,7 +1808,7 @@
           <a:bodyPr/>
           <a:lstStyle/>
           <a:p>
-            <a:fld id="{6C1056E4-0A98-4D85-98AD-89858D8BBC6C}" type="datetimeFigureOut">
+            <a:fld id="{6837A2F4-8FBA-4AEB-B8D0-CFE90A6FA6AE}" type="datetimeFigureOut">
               <a:rPr lang="zh-CN" altLang="en-US" smtClean="0"/>
               <a:t>2024/3/10</a:t>
             </a:fld>
@@ -1821,7 +1821,7 @@
           <p:cNvPr id="8" name="页脚占位符 7">
             <a:extLst>
               <a:ext uri="{FF2B5EF4-FFF2-40B4-BE49-F238E27FC236}">
-                <a16:creationId xmlns:a16="http://schemas.microsoft.com/office/drawing/2014/main" id="{0AD12543-FB9C-2DF7-7E50-86D2A5166CC2}"/>
+                <a16:creationId xmlns:a16="http://schemas.microsoft.com/office/drawing/2014/main" id="{6CD5EEC8-5F3B-2666-3BD3-0724FAB8B719}"/>
               </a:ext>
             </a:extLst>
           </p:cNvPr>
@@ -1846,7 +1846,7 @@
           <p:cNvPr id="9" name="灯片编号占位符 8">
             <a:extLst>
               <a:ext uri="{FF2B5EF4-FFF2-40B4-BE49-F238E27FC236}">
-                <a16:creationId xmlns:a16="http://schemas.microsoft.com/office/drawing/2014/main" id="{35188B1C-303A-F4C3-DB61-BBC103FEC583}"/>
+                <a16:creationId xmlns:a16="http://schemas.microsoft.com/office/drawing/2014/main" id="{72DD5BAD-AD76-3813-FF80-DAA9348A2CC4}"/>
               </a:ext>
             </a:extLst>
           </p:cNvPr>
@@ -1862,7 +1862,7 @@
           <a:bodyPr/>
           <a:lstStyle/>
           <a:p>
-            <a:fld id="{BF848D48-13AF-40E2-B940-F471FD666F6D}" type="slidenum">
+            <a:fld id="{0C5C56DF-3283-449B-9933-49334E48605C}" type="slidenum">
               <a:rPr lang="zh-CN" altLang="en-US" smtClean="0"/>
               <a:t>‹#›</a:t>
             </a:fld>
@@ -1873,7 +1873,7 @@
     </p:spTree>
     <p:extLst>
       <p:ext uri="{BB962C8B-B14F-4D97-AF65-F5344CB8AC3E}">
-        <p14:creationId xmlns:p14="http://schemas.microsoft.com/office/powerpoint/2010/main" val="1292126437"/>
+        <p14:creationId xmlns:p14="http://schemas.microsoft.com/office/powerpoint/2010/main" val="2412692791"/>
       </p:ext>
     </p:extLst>
   </p:cSld>
@@ -1905,7 +1905,7 @@
           <p:cNvPr id="2" name="标题 1">
             <a:extLst>
               <a:ext uri="{FF2B5EF4-FFF2-40B4-BE49-F238E27FC236}">
-                <a16:creationId xmlns:a16="http://schemas.microsoft.com/office/drawing/2014/main" id="{09F0C8D1-458B-991C-736A-67C00ED88305}"/>
+                <a16:creationId xmlns:a16="http://schemas.microsoft.com/office/drawing/2014/main" id="{8CE8AA6F-3958-16DB-9763-A8920CA1A878}"/>
               </a:ext>
             </a:extLst>
           </p:cNvPr>
@@ -1933,7 +1933,7 @@
           <p:cNvPr id="3" name="日期占位符 2">
             <a:extLst>
               <a:ext uri="{FF2B5EF4-FFF2-40B4-BE49-F238E27FC236}">
-                <a16:creationId xmlns:a16="http://schemas.microsoft.com/office/drawing/2014/main" id="{9720EBCE-0589-50C8-5E4C-3F3B728EC6BF}"/>
+                <a16:creationId xmlns:a16="http://schemas.microsoft.com/office/drawing/2014/main" id="{E838C78A-7B10-442D-D26C-6DE1CE46B401}"/>
               </a:ext>
             </a:extLst>
           </p:cNvPr>
@@ -1949,7 +1949,7 @@
           <a:bodyPr/>
           <a:lstStyle/>
           <a:p>
-            <a:fld id="{6C1056E4-0A98-4D85-98AD-89858D8BBC6C}" type="datetimeFigureOut">
+            <a:fld id="{6837A2F4-8FBA-4AEB-B8D0-CFE90A6FA6AE}" type="datetimeFigureOut">
               <a:rPr lang="zh-CN" altLang="en-US" smtClean="0"/>
               <a:t>2024/3/10</a:t>
             </a:fld>
@@ -1962,7 +1962,7 @@
           <p:cNvPr id="4" name="页脚占位符 3">
             <a:extLst>
               <a:ext uri="{FF2B5EF4-FFF2-40B4-BE49-F238E27FC236}">
-                <a16:creationId xmlns:a16="http://schemas.microsoft.com/office/drawing/2014/main" id="{F733F72F-493C-B661-1A94-5E89907A8D82}"/>
+                <a16:creationId xmlns:a16="http://schemas.microsoft.com/office/drawing/2014/main" id="{9E1A52A3-BC19-7533-C3B7-C042F555961E}"/>
               </a:ext>
             </a:extLst>
           </p:cNvPr>
@@ -1987,7 +1987,7 @@
           <p:cNvPr id="5" name="灯片编号占位符 4">
             <a:extLst>
               <a:ext uri="{FF2B5EF4-FFF2-40B4-BE49-F238E27FC236}">
-                <a16:creationId xmlns:a16="http://schemas.microsoft.com/office/drawing/2014/main" id="{38FDD674-C631-8A5F-4E35-AD8733B73E94}"/>
+                <a16:creationId xmlns:a16="http://schemas.microsoft.com/office/drawing/2014/main" id="{A5B322D9-B58C-E27D-99ED-E142CE12971F}"/>
               </a:ext>
             </a:extLst>
           </p:cNvPr>
@@ -2003,7 +2003,7 @@
           <a:bodyPr/>
           <a:lstStyle/>
           <a:p>
-            <a:fld id="{BF848D48-13AF-40E2-B940-F471FD666F6D}" type="slidenum">
+            <a:fld id="{0C5C56DF-3283-449B-9933-49334E48605C}" type="slidenum">
               <a:rPr lang="zh-CN" altLang="en-US" smtClean="0"/>
               <a:t>‹#›</a:t>
             </a:fld>
@@ -2014,7 +2014,7 @@
     </p:spTree>
     <p:extLst>
       <p:ext uri="{BB962C8B-B14F-4D97-AF65-F5344CB8AC3E}">
-        <p14:creationId xmlns:p14="http://schemas.microsoft.com/office/powerpoint/2010/main" val="756065598"/>
+        <p14:creationId xmlns:p14="http://schemas.microsoft.com/office/powerpoint/2010/main" val="4213997316"/>
       </p:ext>
     </p:extLst>
   </p:cSld>
@@ -2046,7 +2046,7 @@
           <p:cNvPr id="2" name="日期占位符 1">
             <a:extLst>
               <a:ext uri="{FF2B5EF4-FFF2-40B4-BE49-F238E27FC236}">
-                <a16:creationId xmlns:a16="http://schemas.microsoft.com/office/drawing/2014/main" id="{97090D94-F7CD-1BD0-45BC-0EE9A3955AF7}"/>
+                <a16:creationId xmlns:a16="http://schemas.microsoft.com/office/drawing/2014/main" id="{3E4F4BF7-ED5C-9AF3-D34F-D2E5F2FC40DB}"/>
               </a:ext>
             </a:extLst>
           </p:cNvPr>
@@ -2062,7 +2062,7 @@
           <a:bodyPr/>
           <a:lstStyle/>
           <a:p>
-            <a:fld id="{6C1056E4-0A98-4D85-98AD-89858D8BBC6C}" type="datetimeFigureOut">
+            <a:fld id="{6837A2F4-8FBA-4AEB-B8D0-CFE90A6FA6AE}" type="datetimeFigureOut">
               <a:rPr lang="zh-CN" altLang="en-US" smtClean="0"/>
               <a:t>2024/3/10</a:t>
             </a:fld>
@@ -2075,7 +2075,7 @@
           <p:cNvPr id="3" name="页脚占位符 2">
             <a:extLst>
               <a:ext uri="{FF2B5EF4-FFF2-40B4-BE49-F238E27FC236}">
-                <a16:creationId xmlns:a16="http://schemas.microsoft.com/office/drawing/2014/main" id="{C3A557DA-97AA-CFD1-476C-268FE179DA72}"/>
+                <a16:creationId xmlns:a16="http://schemas.microsoft.com/office/drawing/2014/main" id="{E69801C1-D539-EFD6-D9B5-2828DA03BBA8}"/>
               </a:ext>
             </a:extLst>
           </p:cNvPr>
@@ -2100,7 +2100,7 @@
           <p:cNvPr id="4" name="灯片编号占位符 3">
             <a:extLst>
               <a:ext uri="{FF2B5EF4-FFF2-40B4-BE49-F238E27FC236}">
-                <a16:creationId xmlns:a16="http://schemas.microsoft.com/office/drawing/2014/main" id="{9D203B4E-F3C2-1A2D-B487-6B1E162001F1}"/>
+                <a16:creationId xmlns:a16="http://schemas.microsoft.com/office/drawing/2014/main" id="{A160E624-BDF8-852E-C05A-1CE77BDF42C1}"/>
               </a:ext>
             </a:extLst>
           </p:cNvPr>
@@ -2116,7 +2116,7 @@
           <a:bodyPr/>
           <a:lstStyle/>
           <a:p>
-            <a:fld id="{BF848D48-13AF-40E2-B940-F471FD666F6D}" type="slidenum">
+            <a:fld id="{0C5C56DF-3283-449B-9933-49334E48605C}" type="slidenum">
               <a:rPr lang="zh-CN" altLang="en-US" smtClean="0"/>
               <a:t>‹#›</a:t>
             </a:fld>
@@ -2127,7 +2127,7 @@
     </p:spTree>
     <p:extLst>
       <p:ext uri="{BB962C8B-B14F-4D97-AF65-F5344CB8AC3E}">
-        <p14:creationId xmlns:p14="http://schemas.microsoft.com/office/powerpoint/2010/main" val="1500433554"/>
+        <p14:creationId xmlns:p14="http://schemas.microsoft.com/office/powerpoint/2010/main" val="1936883478"/>
       </p:ext>
     </p:extLst>
   </p:cSld>
@@ -2159,7 +2159,7 @@
           <p:cNvPr id="2" name="标题 1">
             <a:extLst>
               <a:ext uri="{FF2B5EF4-FFF2-40B4-BE49-F238E27FC236}">
-                <a16:creationId xmlns:a16="http://schemas.microsoft.com/office/drawing/2014/main" id="{1D9B36D7-C1C0-511B-69D0-9B24F33942A1}"/>
+                <a16:creationId xmlns:a16="http://schemas.microsoft.com/office/drawing/2014/main" id="{6016F5C8-BF60-AFE7-3392-24967DD468A9}"/>
               </a:ext>
             </a:extLst>
           </p:cNvPr>
@@ -2196,7 +2196,7 @@
           <p:cNvPr id="3" name="内容占位符 2">
             <a:extLst>
               <a:ext uri="{FF2B5EF4-FFF2-40B4-BE49-F238E27FC236}">
-                <a16:creationId xmlns:a16="http://schemas.microsoft.com/office/drawing/2014/main" id="{0D50D9AE-76E8-643E-8676-F7843A4FAA04}"/>
+                <a16:creationId xmlns:a16="http://schemas.microsoft.com/office/drawing/2014/main" id="{E1C5351C-4067-BACD-574C-EAEAC7E5589A}"/>
               </a:ext>
             </a:extLst>
           </p:cNvPr>
@@ -2286,7 +2286,7 @@
           <p:cNvPr id="4" name="文本占位符 3">
             <a:extLst>
               <a:ext uri="{FF2B5EF4-FFF2-40B4-BE49-F238E27FC236}">
-                <a16:creationId xmlns:a16="http://schemas.microsoft.com/office/drawing/2014/main" id="{27ED8A69-3FD4-3B9D-88E5-70A6F66B2A45}"/>
+                <a16:creationId xmlns:a16="http://schemas.microsoft.com/office/drawing/2014/main" id="{13EA69A7-DB90-9B65-C514-F70036FF1EB3}"/>
               </a:ext>
             </a:extLst>
           </p:cNvPr>
@@ -2357,7 +2357,7 @@
           <p:cNvPr id="5" name="日期占位符 4">
             <a:extLst>
               <a:ext uri="{FF2B5EF4-FFF2-40B4-BE49-F238E27FC236}">
-                <a16:creationId xmlns:a16="http://schemas.microsoft.com/office/drawing/2014/main" id="{E92F171A-5B9B-D727-C684-25FC1B855A3D}"/>
+                <a16:creationId xmlns:a16="http://schemas.microsoft.com/office/drawing/2014/main" id="{B352C404-5FAF-1C6E-8981-BC7025AECC1B}"/>
               </a:ext>
             </a:extLst>
           </p:cNvPr>
@@ -2373,7 +2373,7 @@
           <a:bodyPr/>
           <a:lstStyle/>
           <a:p>
-            <a:fld id="{6C1056E4-0A98-4D85-98AD-89858D8BBC6C}" type="datetimeFigureOut">
+            <a:fld id="{6837A2F4-8FBA-4AEB-B8D0-CFE90A6FA6AE}" type="datetimeFigureOut">
               <a:rPr lang="zh-CN" altLang="en-US" smtClean="0"/>
               <a:t>2024/3/10</a:t>
             </a:fld>
@@ -2386,7 +2386,7 @@
           <p:cNvPr id="6" name="页脚占位符 5">
             <a:extLst>
               <a:ext uri="{FF2B5EF4-FFF2-40B4-BE49-F238E27FC236}">
-                <a16:creationId xmlns:a16="http://schemas.microsoft.com/office/drawing/2014/main" id="{AC9F007B-A048-954F-6E74-16974095B0A2}"/>
+                <a16:creationId xmlns:a16="http://schemas.microsoft.com/office/drawing/2014/main" id="{AF5C3385-7736-8DCF-6145-F67CEBD1788C}"/>
               </a:ext>
             </a:extLst>
           </p:cNvPr>
@@ -2411,7 +2411,7 @@
           <p:cNvPr id="7" name="灯片编号占位符 6">
             <a:extLst>
               <a:ext uri="{FF2B5EF4-FFF2-40B4-BE49-F238E27FC236}">
-                <a16:creationId xmlns:a16="http://schemas.microsoft.com/office/drawing/2014/main" id="{76D38B62-4AF6-22B9-ECBE-DAE9BD3818E1}"/>
+                <a16:creationId xmlns:a16="http://schemas.microsoft.com/office/drawing/2014/main" id="{B40CF5D5-CD09-8645-4D8F-96D2FD36A517}"/>
               </a:ext>
             </a:extLst>
           </p:cNvPr>
@@ -2427,7 +2427,7 @@
           <a:bodyPr/>
           <a:lstStyle/>
           <a:p>
-            <a:fld id="{BF848D48-13AF-40E2-B940-F471FD666F6D}" type="slidenum">
+            <a:fld id="{0C5C56DF-3283-449B-9933-49334E48605C}" type="slidenum">
               <a:rPr lang="zh-CN" altLang="en-US" smtClean="0"/>
               <a:t>‹#›</a:t>
             </a:fld>
@@ -2438,7 +2438,7 @@
     </p:spTree>
     <p:extLst>
       <p:ext uri="{BB962C8B-B14F-4D97-AF65-F5344CB8AC3E}">
-        <p14:creationId xmlns:p14="http://schemas.microsoft.com/office/powerpoint/2010/main" val="606760207"/>
+        <p14:creationId xmlns:p14="http://schemas.microsoft.com/office/powerpoint/2010/main" val="1744060211"/>
       </p:ext>
     </p:extLst>
   </p:cSld>
@@ -2470,7 +2470,7 @@
           <p:cNvPr id="2" name="标题 1">
             <a:extLst>
               <a:ext uri="{FF2B5EF4-FFF2-40B4-BE49-F238E27FC236}">
-                <a16:creationId xmlns:a16="http://schemas.microsoft.com/office/drawing/2014/main" id="{75B7BE1E-D301-9077-9834-F20BF5695E6F}"/>
+                <a16:creationId xmlns:a16="http://schemas.microsoft.com/office/drawing/2014/main" id="{902CF549-5C22-BF8D-A040-879F57DE1362}"/>
               </a:ext>
             </a:extLst>
           </p:cNvPr>
@@ -2507,7 +2507,7 @@
           <p:cNvPr id="3" name="图片占位符 2">
             <a:extLst>
               <a:ext uri="{FF2B5EF4-FFF2-40B4-BE49-F238E27FC236}">
-                <a16:creationId xmlns:a16="http://schemas.microsoft.com/office/drawing/2014/main" id="{7529FEE5-EB68-F78E-7B5E-88805A98173B}"/>
+                <a16:creationId xmlns:a16="http://schemas.microsoft.com/office/drawing/2014/main" id="{4C7E950D-511D-53C2-1159-DB732A4DA3E4}"/>
               </a:ext>
             </a:extLst>
           </p:cNvPr>
@@ -2574,7 +2574,7 @@
           <p:cNvPr id="4" name="文本占位符 3">
             <a:extLst>
               <a:ext uri="{FF2B5EF4-FFF2-40B4-BE49-F238E27FC236}">
-                <a16:creationId xmlns:a16="http://schemas.microsoft.com/office/drawing/2014/main" id="{EFAF1B93-66D1-66A0-461C-F57D937CF862}"/>
+                <a16:creationId xmlns:a16="http://schemas.microsoft.com/office/drawing/2014/main" id="{850B73F6-D7DB-0F6D-0BEE-339A7F15BE17}"/>
               </a:ext>
             </a:extLst>
           </p:cNvPr>
@@ -2645,7 +2645,7 @@
           <p:cNvPr id="5" name="日期占位符 4">
             <a:extLst>
               <a:ext uri="{FF2B5EF4-FFF2-40B4-BE49-F238E27FC236}">
-                <a16:creationId xmlns:a16="http://schemas.microsoft.com/office/drawing/2014/main" id="{F513F119-852B-7C24-5CE5-FF61832AAB6D}"/>
+                <a16:creationId xmlns:a16="http://schemas.microsoft.com/office/drawing/2014/main" id="{2F5331A8-02E6-FAE6-8E2E-8E97B1AC55C1}"/>
               </a:ext>
             </a:extLst>
           </p:cNvPr>
@@ -2661,7 +2661,7 @@
           <a:bodyPr/>
           <a:lstStyle/>
           <a:p>
-            <a:fld id="{6C1056E4-0A98-4D85-98AD-89858D8BBC6C}" type="datetimeFigureOut">
+            <a:fld id="{6837A2F4-8FBA-4AEB-B8D0-CFE90A6FA6AE}" type="datetimeFigureOut">
               <a:rPr lang="zh-CN" altLang="en-US" smtClean="0"/>
               <a:t>2024/3/10</a:t>
             </a:fld>
@@ -2674,7 +2674,7 @@
           <p:cNvPr id="6" name="页脚占位符 5">
             <a:extLst>
               <a:ext uri="{FF2B5EF4-FFF2-40B4-BE49-F238E27FC236}">
-                <a16:creationId xmlns:a16="http://schemas.microsoft.com/office/drawing/2014/main" id="{3EC89D6F-FA4A-9848-5ADA-49EB7920BB00}"/>
+                <a16:creationId xmlns:a16="http://schemas.microsoft.com/office/drawing/2014/main" id="{F29D3163-DDD4-64A9-94B4-63D96BECE6BC}"/>
               </a:ext>
             </a:extLst>
           </p:cNvPr>
@@ -2699,7 +2699,7 @@
           <p:cNvPr id="7" name="灯片编号占位符 6">
             <a:extLst>
               <a:ext uri="{FF2B5EF4-FFF2-40B4-BE49-F238E27FC236}">
-                <a16:creationId xmlns:a16="http://schemas.microsoft.com/office/drawing/2014/main" id="{D474F20C-8BA8-9759-F027-A711A4DFE3EE}"/>
+                <a16:creationId xmlns:a16="http://schemas.microsoft.com/office/drawing/2014/main" id="{8AA3DB54-B2E3-E0E1-D750-8E64A24F63BA}"/>
               </a:ext>
             </a:extLst>
           </p:cNvPr>
@@ -2715,7 +2715,7 @@
           <a:bodyPr/>
           <a:lstStyle/>
           <a:p>
-            <a:fld id="{BF848D48-13AF-40E2-B940-F471FD666F6D}" type="slidenum">
+            <a:fld id="{0C5C56DF-3283-449B-9933-49334E48605C}" type="slidenum">
               <a:rPr lang="zh-CN" altLang="en-US" smtClean="0"/>
               <a:t>‹#›</a:t>
             </a:fld>
@@ -2726,7 +2726,7 @@
     </p:spTree>
     <p:extLst>
       <p:ext uri="{BB962C8B-B14F-4D97-AF65-F5344CB8AC3E}">
-        <p14:creationId xmlns:p14="http://schemas.microsoft.com/office/powerpoint/2010/main" val="1729421187"/>
+        <p14:creationId xmlns:p14="http://schemas.microsoft.com/office/powerpoint/2010/main" val="1524515938"/>
       </p:ext>
     </p:extLst>
   </p:cSld>
@@ -2763,7 +2763,7 @@
           <p:cNvPr id="2" name="标题占位符 1">
             <a:extLst>
               <a:ext uri="{FF2B5EF4-FFF2-40B4-BE49-F238E27FC236}">
-                <a16:creationId xmlns:a16="http://schemas.microsoft.com/office/drawing/2014/main" id="{5C27EE6B-55FB-F369-67F9-52D93DF00CAA}"/>
+                <a16:creationId xmlns:a16="http://schemas.microsoft.com/office/drawing/2014/main" id="{96770008-C26C-7F39-B294-455D2928B921}"/>
               </a:ext>
             </a:extLst>
           </p:cNvPr>
@@ -2801,7 +2801,7 @@
           <p:cNvPr id="3" name="文本占位符 2">
             <a:extLst>
               <a:ext uri="{FF2B5EF4-FFF2-40B4-BE49-F238E27FC236}">
-                <a16:creationId xmlns:a16="http://schemas.microsoft.com/office/drawing/2014/main" id="{C0BEA526-AA72-8AE4-069F-84B1CACD0EDA}"/>
+                <a16:creationId xmlns:a16="http://schemas.microsoft.com/office/drawing/2014/main" id="{BEC26437-A626-267D-A140-ED0EBD0E3EF5}"/>
               </a:ext>
             </a:extLst>
           </p:cNvPr>
@@ -2868,7 +2868,7 @@
           <p:cNvPr id="4" name="日期占位符 3">
             <a:extLst>
               <a:ext uri="{FF2B5EF4-FFF2-40B4-BE49-F238E27FC236}">
-                <a16:creationId xmlns:a16="http://schemas.microsoft.com/office/drawing/2014/main" id="{39F07608-28DC-0B79-D0EF-93B4FD18AA61}"/>
+                <a16:creationId xmlns:a16="http://schemas.microsoft.com/office/drawing/2014/main" id="{B54A07C4-32C6-A496-3507-F5BA385DC363}"/>
               </a:ext>
             </a:extLst>
           </p:cNvPr>
@@ -2902,7 +2902,7 @@
             </a:lvl1pPr>
           </a:lstStyle>
           <a:p>
-            <a:fld id="{6C1056E4-0A98-4D85-98AD-89858D8BBC6C}" type="datetimeFigureOut">
+            <a:fld id="{6837A2F4-8FBA-4AEB-B8D0-CFE90A6FA6AE}" type="datetimeFigureOut">
               <a:rPr lang="zh-CN" altLang="en-US" smtClean="0"/>
               <a:t>2024/3/10</a:t>
             </a:fld>
@@ -2915,7 +2915,7 @@
           <p:cNvPr id="5" name="页脚占位符 4">
             <a:extLst>
               <a:ext uri="{FF2B5EF4-FFF2-40B4-BE49-F238E27FC236}">
-                <a16:creationId xmlns:a16="http://schemas.microsoft.com/office/drawing/2014/main" id="{5842E072-3E76-243A-2469-1804AE20090C}"/>
+                <a16:creationId xmlns:a16="http://schemas.microsoft.com/office/drawing/2014/main" id="{950ED858-2570-D33A-21A4-075FADEAA291}"/>
               </a:ext>
             </a:extLst>
           </p:cNvPr>
@@ -2958,7 +2958,7 @@
           <p:cNvPr id="6" name="灯片编号占位符 5">
             <a:extLst>
               <a:ext uri="{FF2B5EF4-FFF2-40B4-BE49-F238E27FC236}">
-                <a16:creationId xmlns:a16="http://schemas.microsoft.com/office/drawing/2014/main" id="{F2D5AD00-0719-B8BB-A3DF-52210C590DDC}"/>
+                <a16:creationId xmlns:a16="http://schemas.microsoft.com/office/drawing/2014/main" id="{BD8BCEBF-7F77-145A-0B73-C6C10FD1B8B6}"/>
               </a:ext>
             </a:extLst>
           </p:cNvPr>
@@ -2992,7 +2992,7 @@
             </a:lvl1pPr>
           </a:lstStyle>
           <a:p>
-            <a:fld id="{BF848D48-13AF-40E2-B940-F471FD666F6D}" type="slidenum">
+            <a:fld id="{0C5C56DF-3283-449B-9933-49334E48605C}" type="slidenum">
               <a:rPr lang="zh-CN" altLang="en-US" smtClean="0"/>
               <a:t>‹#›</a:t>
             </a:fld>
@@ -3003,7 +3003,7 @@
     </p:spTree>
     <p:extLst>
       <p:ext uri="{BB962C8B-B14F-4D97-AF65-F5344CB8AC3E}">
-        <p14:creationId xmlns:p14="http://schemas.microsoft.com/office/powerpoint/2010/main" val="2372697934"/>
+        <p14:creationId xmlns:p14="http://schemas.microsoft.com/office/powerpoint/2010/main" val="224927889"/>
       </p:ext>
     </p:extLst>
   </p:cSld>
